--- a/Documentation/UMLPresentation.pptx
+++ b/Documentation/UMLPresentation.pptx
@@ -252,7 +252,7 @@
           <a:p>
             <a:fld id="{846CE7D5-CF57-46EF-B807-FDD0502418D4}" type="datetimeFigureOut">
               <a:rPr lang="en-US" smtClean="0"/>
-              <a:t>11/27/2024</a:t>
+              <a:t>11/29/2024</a:t>
             </a:fld>
             <a:endParaRPr lang="en-US"/>
           </a:p>
@@ -422,7 +422,7 @@
           <a:p>
             <a:fld id="{846CE7D5-CF57-46EF-B807-FDD0502418D4}" type="datetimeFigureOut">
               <a:rPr lang="en-US" smtClean="0"/>
-              <a:t>11/27/2024</a:t>
+              <a:t>11/29/2024</a:t>
             </a:fld>
             <a:endParaRPr lang="en-US"/>
           </a:p>
@@ -602,7 +602,7 @@
           <a:p>
             <a:fld id="{846CE7D5-CF57-46EF-B807-FDD0502418D4}" type="datetimeFigureOut">
               <a:rPr lang="en-US" smtClean="0"/>
-              <a:t>11/27/2024</a:t>
+              <a:t>11/29/2024</a:t>
             </a:fld>
             <a:endParaRPr lang="en-US"/>
           </a:p>
@@ -772,7 +772,7 @@
           <a:p>
             <a:fld id="{846CE7D5-CF57-46EF-B807-FDD0502418D4}" type="datetimeFigureOut">
               <a:rPr lang="en-US" smtClean="0"/>
-              <a:t>11/27/2024</a:t>
+              <a:t>11/29/2024</a:t>
             </a:fld>
             <a:endParaRPr lang="en-US"/>
           </a:p>
@@ -1018,7 +1018,7 @@
           <a:p>
             <a:fld id="{846CE7D5-CF57-46EF-B807-FDD0502418D4}" type="datetimeFigureOut">
               <a:rPr lang="en-US" smtClean="0"/>
-              <a:t>11/27/2024</a:t>
+              <a:t>11/29/2024</a:t>
             </a:fld>
             <a:endParaRPr lang="en-US"/>
           </a:p>
@@ -1250,7 +1250,7 @@
           <a:p>
             <a:fld id="{846CE7D5-CF57-46EF-B807-FDD0502418D4}" type="datetimeFigureOut">
               <a:rPr lang="en-US" smtClean="0"/>
-              <a:t>11/27/2024</a:t>
+              <a:t>11/29/2024</a:t>
             </a:fld>
             <a:endParaRPr lang="en-US"/>
           </a:p>
@@ -1617,7 +1617,7 @@
           <a:p>
             <a:fld id="{846CE7D5-CF57-46EF-B807-FDD0502418D4}" type="datetimeFigureOut">
               <a:rPr lang="en-US" smtClean="0"/>
-              <a:t>11/27/2024</a:t>
+              <a:t>11/29/2024</a:t>
             </a:fld>
             <a:endParaRPr lang="en-US"/>
           </a:p>
@@ -1735,7 +1735,7 @@
           <a:p>
             <a:fld id="{846CE7D5-CF57-46EF-B807-FDD0502418D4}" type="datetimeFigureOut">
               <a:rPr lang="en-US" smtClean="0"/>
-              <a:t>11/27/2024</a:t>
+              <a:t>11/29/2024</a:t>
             </a:fld>
             <a:endParaRPr lang="en-US"/>
           </a:p>
@@ -1830,7 +1830,7 @@
           <a:p>
             <a:fld id="{846CE7D5-CF57-46EF-B807-FDD0502418D4}" type="datetimeFigureOut">
               <a:rPr lang="en-US" smtClean="0"/>
-              <a:t>11/27/2024</a:t>
+              <a:t>11/29/2024</a:t>
             </a:fld>
             <a:endParaRPr lang="en-US"/>
           </a:p>
@@ -2107,7 +2107,7 @@
           <a:p>
             <a:fld id="{846CE7D5-CF57-46EF-B807-FDD0502418D4}" type="datetimeFigureOut">
               <a:rPr lang="en-US" smtClean="0"/>
-              <a:t>11/27/2024</a:t>
+              <a:t>11/29/2024</a:t>
             </a:fld>
             <a:endParaRPr lang="en-US"/>
           </a:p>
@@ -2364,7 +2364,7 @@
           <a:p>
             <a:fld id="{846CE7D5-CF57-46EF-B807-FDD0502418D4}" type="datetimeFigureOut">
               <a:rPr lang="en-US" smtClean="0"/>
-              <a:t>11/27/2024</a:t>
+              <a:t>11/29/2024</a:t>
             </a:fld>
             <a:endParaRPr lang="en-US"/>
           </a:p>
@@ -2577,7 +2577,7 @@
           <a:p>
             <a:fld id="{846CE7D5-CF57-46EF-B807-FDD0502418D4}" type="datetimeFigureOut">
               <a:rPr lang="en-US" smtClean="0"/>
-              <a:t>11/27/2024</a:t>
+              <a:t>11/29/2024</a:t>
             </a:fld>
             <a:endParaRPr lang="en-US"/>
           </a:p>
@@ -3060,10 +3060,10 @@
       </p:grpSpPr>
       <p:pic>
         <p:nvPicPr>
-          <p:cNvPr id="2" name="Picture 1" descr="A screenshot of a computer&#10;&#10;Description automatically generated">
+          <p:cNvPr id="4" name="Picture 3" descr="A screenshot of a computer&#10;&#10;Description automatically generated">
             <a:extLst>
               <a:ext uri="{FF2B5EF4-FFF2-40B4-BE49-F238E27FC236}">
-                <a16:creationId xmlns:a16="http://schemas.microsoft.com/office/drawing/2014/main" id="{41F07E3A-5BAC-1567-12A3-BE8D62209A0C}"/>
+                <a16:creationId xmlns:a16="http://schemas.microsoft.com/office/drawing/2014/main" id="{D9C0B7E4-F248-C999-6B1F-D0A318F5068C}"/>
               </a:ext>
             </a:extLst>
           </p:cNvPr>
@@ -3073,15 +3073,21 @@
           <p:nvPr/>
         </p:nvPicPr>
         <p:blipFill>
-          <a:blip r:embed="rId2"/>
+          <a:blip r:embed="rId2">
+            <a:extLst>
+              <a:ext uri="{28A0092B-C50C-407E-A947-70E740481C1C}">
+                <a14:useLocalDpi xmlns:a14="http://schemas.microsoft.com/office/drawing/2010/main" val="0"/>
+              </a:ext>
+            </a:extLst>
+          </a:blip>
           <a:stretch>
             <a:fillRect/>
           </a:stretch>
         </p:blipFill>
         <p:spPr>
           <a:xfrm>
-            <a:off x="2572246" y="1719"/>
-            <a:ext cx="6116080" cy="6854141"/>
+            <a:off x="3037157" y="0"/>
+            <a:ext cx="6117686" cy="6858000"/>
           </a:xfrm>
           <a:prstGeom prst="rect">
             <a:avLst/>
